--- a/1.excel/Excel Beg to Adv.pptx
+++ b/1.excel/Excel Beg to Adv.pptx
@@ -13832,6 +13832,86 @@
               <a:latin typeface="Roboto"/>
               <a:ea typeface="Roboto"/>
             </a:endParaRPr>
+          </a:p>
+        </p:txBody>
+      </p:sp>
+      <p:sp>
+        <p:nvSpPr>
+          <p:cNvPr id="4" name="Text Box 3"/>
+          <p:cNvSpPr txBox="1"/>
+          <p:nvPr/>
+        </p:nvSpPr>
+        <p:spPr>
+          <a:xfrm>
+            <a:off x="611505" y="1849755"/>
+            <a:ext cx="4064000" cy="1753235"/>
+          </a:xfrm>
+          <a:prstGeom prst="rect">
+            <a:avLst/>
+          </a:prstGeom>
+          <a:noFill/>
+        </p:spPr>
+        <p:txBody>
+          <a:bodyPr wrap="square" rtlCol="0">
+            <a:spAutoFit/>
+          </a:bodyPr>
+          <a:p>
+            <a:pPr indent="0">
+              <a:buFont typeface="Arial" panose="020B0604020202020204" pitchFamily="34" charset="0"/>
+              <a:buNone/>
+            </a:pPr>
+            <a:r>
+              <a:rPr lang="en-US" b="1"/>
+              <a:t>Plugins use for Chatgpt</a:t>
+            </a:r>
+            <a:endParaRPr lang="en-US" b="1"/>
+          </a:p>
+          <a:p>
+            <a:pPr indent="0">
+              <a:buFont typeface="Arial" panose="020B0604020202020204" pitchFamily="34" charset="0"/>
+              <a:buNone/>
+            </a:pPr>
+            <a:endParaRPr lang="en-US" b="1"/>
+          </a:p>
+          <a:p>
+            <a:pPr marL="285750" indent="-285750">
+              <a:buFont typeface="Arial" panose="020B0604020202020204" pitchFamily="34" charset="0"/>
+              <a:buChar char="•"/>
+            </a:pPr>
+            <a:r>
+              <a:rPr lang="en-US" b="1"/>
+              <a:t>copilot</a:t>
+            </a:r>
+            <a:endParaRPr lang="en-US" b="1"/>
+          </a:p>
+          <a:p>
+            <a:pPr marL="285750" indent="-285750">
+              <a:buFont typeface="Arial" panose="020B0604020202020204" pitchFamily="34" charset="0"/>
+              <a:buChar char="•"/>
+            </a:pPr>
+            <a:r>
+              <a:rPr lang="en-US" b="1"/>
+              <a:t>ai formula added</a:t>
+            </a:r>
+            <a:endParaRPr lang="en-US" b="1"/>
+          </a:p>
+          <a:p>
+            <a:pPr marL="285750" indent="-285750">
+              <a:buFont typeface="Arial" panose="020B0604020202020204" pitchFamily="34" charset="0"/>
+              <a:buChar char="•"/>
+            </a:pPr>
+            <a:r>
+              <a:rPr lang="en-US" b="1"/>
+              <a:t>excel for ai </a:t>
+            </a:r>
+            <a:endParaRPr lang="en-US" b="1"/>
+          </a:p>
+          <a:p>
+            <a:pPr marL="285750" indent="-285750">
+              <a:buFont typeface="Arial" panose="020B0604020202020204" pitchFamily="34" charset="0"/>
+              <a:buChar char="•"/>
+            </a:pPr>
+            <a:endParaRPr lang="en-US" b="1"/>
           </a:p>
         </p:txBody>
       </p:sp>
